--- a/Cryptography and Network Security/0. The beginning of the beginning.pptx
+++ b/Cryptography and Network Security/0. The beginning of the beginning.pptx
@@ -12,14 +12,16 @@
     <p:sldId id="296" r:id="rId6"/>
     <p:sldId id="263" r:id="rId7"/>
     <p:sldId id="297" r:id="rId8"/>
-    <p:sldId id="264" r:id="rId9"/>
-    <p:sldId id="265" r:id="rId10"/>
-    <p:sldId id="267" r:id="rId11"/>
-    <p:sldId id="268" r:id="rId12"/>
-    <p:sldId id="272" r:id="rId13"/>
-    <p:sldId id="262" r:id="rId14"/>
-    <p:sldId id="298" r:id="rId15"/>
-    <p:sldId id="270" r:id="rId16"/>
+    <p:sldId id="299" r:id="rId9"/>
+    <p:sldId id="300" r:id="rId10"/>
+    <p:sldId id="264" r:id="rId11"/>
+    <p:sldId id="265" r:id="rId12"/>
+    <p:sldId id="267" r:id="rId13"/>
+    <p:sldId id="268" r:id="rId14"/>
+    <p:sldId id="272" r:id="rId15"/>
+    <p:sldId id="262" r:id="rId16"/>
+    <p:sldId id="298" r:id="rId17"/>
+    <p:sldId id="270" r:id="rId18"/>
   </p:sldIdLst>
   <p:sldSz cx="12192000" cy="6858000"/>
   <p:notesSz cx="6858000" cy="9144000"/>
@@ -255,7 +257,7 @@
           <a:p>
             <a:fld id="{EEE2597E-5B9C-4223-A3DC-E2371CBFDE86}" type="datetimeFigureOut">
               <a:rPr lang="en-US" smtClean="0"/>
-              <a:t>2/6/2023</a:t>
+              <a:t>2/7/2023</a:t>
             </a:fld>
             <a:endParaRPr lang="en-US"/>
           </a:p>
@@ -423,7 +425,7 @@
           <a:p>
             <a:fld id="{EEE2597E-5B9C-4223-A3DC-E2371CBFDE86}" type="datetimeFigureOut">
               <a:rPr lang="en-US" smtClean="0"/>
-              <a:t>2/6/2023</a:t>
+              <a:t>2/7/2023</a:t>
             </a:fld>
             <a:endParaRPr lang="en-US"/>
           </a:p>
@@ -601,7 +603,7 @@
           <a:p>
             <a:fld id="{EEE2597E-5B9C-4223-A3DC-E2371CBFDE86}" type="datetimeFigureOut">
               <a:rPr lang="en-US" smtClean="0"/>
-              <a:t>2/6/2023</a:t>
+              <a:t>2/7/2023</a:t>
             </a:fld>
             <a:endParaRPr lang="en-US"/>
           </a:p>
@@ -769,7 +771,7 @@
           <a:p>
             <a:fld id="{EEE2597E-5B9C-4223-A3DC-E2371CBFDE86}" type="datetimeFigureOut">
               <a:rPr lang="en-US" smtClean="0"/>
-              <a:t>2/6/2023</a:t>
+              <a:t>2/7/2023</a:t>
             </a:fld>
             <a:endParaRPr lang="en-US"/>
           </a:p>
@@ -1014,7 +1016,7 @@
           <a:p>
             <a:fld id="{EEE2597E-5B9C-4223-A3DC-E2371CBFDE86}" type="datetimeFigureOut">
               <a:rPr lang="en-US" smtClean="0"/>
-              <a:t>2/6/2023</a:t>
+              <a:t>2/7/2023</a:t>
             </a:fld>
             <a:endParaRPr lang="en-US"/>
           </a:p>
@@ -1243,7 +1245,7 @@
           <a:p>
             <a:fld id="{EEE2597E-5B9C-4223-A3DC-E2371CBFDE86}" type="datetimeFigureOut">
               <a:rPr lang="en-US" smtClean="0"/>
-              <a:t>2/6/2023</a:t>
+              <a:t>2/7/2023</a:t>
             </a:fld>
             <a:endParaRPr lang="en-US"/>
           </a:p>
@@ -1607,7 +1609,7 @@
           <a:p>
             <a:fld id="{EEE2597E-5B9C-4223-A3DC-E2371CBFDE86}" type="datetimeFigureOut">
               <a:rPr lang="en-US" smtClean="0"/>
-              <a:t>2/6/2023</a:t>
+              <a:t>2/7/2023</a:t>
             </a:fld>
             <a:endParaRPr lang="en-US"/>
           </a:p>
@@ -1724,7 +1726,7 @@
           <a:p>
             <a:fld id="{EEE2597E-5B9C-4223-A3DC-E2371CBFDE86}" type="datetimeFigureOut">
               <a:rPr lang="en-US" smtClean="0"/>
-              <a:t>2/6/2023</a:t>
+              <a:t>2/7/2023</a:t>
             </a:fld>
             <a:endParaRPr lang="en-US"/>
           </a:p>
@@ -1819,7 +1821,7 @@
           <a:p>
             <a:fld id="{EEE2597E-5B9C-4223-A3DC-E2371CBFDE86}" type="datetimeFigureOut">
               <a:rPr lang="en-US" smtClean="0"/>
-              <a:t>2/6/2023</a:t>
+              <a:t>2/7/2023</a:t>
             </a:fld>
             <a:endParaRPr lang="en-US"/>
           </a:p>
@@ -2094,7 +2096,7 @@
           <a:p>
             <a:fld id="{EEE2597E-5B9C-4223-A3DC-E2371CBFDE86}" type="datetimeFigureOut">
               <a:rPr lang="en-US" smtClean="0"/>
-              <a:t>2/6/2023</a:t>
+              <a:t>2/7/2023</a:t>
             </a:fld>
             <a:endParaRPr lang="en-US"/>
           </a:p>
@@ -2346,7 +2348,7 @@
           <a:p>
             <a:fld id="{EEE2597E-5B9C-4223-A3DC-E2371CBFDE86}" type="datetimeFigureOut">
               <a:rPr lang="en-US" smtClean="0"/>
-              <a:t>2/6/2023</a:t>
+              <a:t>2/7/2023</a:t>
             </a:fld>
             <a:endParaRPr lang="en-US"/>
           </a:p>
@@ -2566,7 +2568,7 @@
           <a:p>
             <a:fld id="{EEE2597E-5B9C-4223-A3DC-E2371CBFDE86}" type="datetimeFigureOut">
               <a:rPr lang="en-US" smtClean="0"/>
-              <a:t>2/6/2023</a:t>
+              <a:t>2/7/2023</a:t>
             </a:fld>
             <a:endParaRPr lang="en-US"/>
           </a:p>
@@ -3197,6 +3199,740 @@
                 <a:latin typeface="Bookman Old Style" panose="02050604050505020204" pitchFamily="18" charset="0"/>
                 <a:cs typeface="Times New Roman" panose="02020603050405020304" pitchFamily="18" charset="0"/>
               </a:rPr>
+              <a:t>Procedure of Understanding Each Topics</a:t>
+            </a:r>
+          </a:p>
+        </p:txBody>
+      </p:sp>
+      <p:sp>
+        <p:nvSpPr>
+          <p:cNvPr id="3" name="Content Placeholder 2"/>
+          <p:cNvSpPr>
+            <a:spLocks noGrp="1"/>
+          </p:cNvSpPr>
+          <p:nvPr>
+            <p:ph idx="1"/>
+          </p:nvPr>
+        </p:nvSpPr>
+        <p:spPr/>
+        <p:txBody>
+          <a:bodyPr>
+            <a:normAutofit/>
+          </a:bodyPr>
+          <a:lstStyle/>
+          <a:p>
+            <a:pPr marL="0" indent="0" algn="ctr">
+              <a:buClr>
+                <a:srgbClr val="002060"/>
+              </a:buClr>
+              <a:buSzPct val="150000"/>
+              <a:buNone/>
+            </a:pPr>
+            <a:r>
+              <a:rPr lang="en-US" sz="3200" b="1" dirty="0">
+                <a:solidFill>
+                  <a:srgbClr val="00B050"/>
+                </a:solidFill>
+                <a:latin typeface="Bookman Old Style" panose="02050604050505020204" pitchFamily="18" charset="0"/>
+                <a:cs typeface="Times New Roman" panose="02020603050405020304" pitchFamily="18" charset="0"/>
+              </a:rPr>
+              <a:t>Your Suggestions from previous experiences.</a:t>
+            </a:r>
+          </a:p>
+          <a:p>
+            <a:pPr marL="0" indent="0" algn="ctr">
+              <a:buClr>
+                <a:srgbClr val="002060"/>
+              </a:buClr>
+              <a:buSzPct val="150000"/>
+              <a:buNone/>
+            </a:pPr>
+            <a:r>
+              <a:rPr lang="en-US" sz="3200" b="1" dirty="0">
+                <a:solidFill>
+                  <a:srgbClr val="C00000"/>
+                </a:solidFill>
+                <a:latin typeface="Bookman Old Style" panose="02050604050505020204" pitchFamily="18" charset="0"/>
+                <a:cs typeface="Times New Roman" panose="02020603050405020304" pitchFamily="18" charset="0"/>
+              </a:rPr>
+              <a:t>???</a:t>
+            </a:r>
+          </a:p>
+        </p:txBody>
+      </p:sp>
+    </p:spTree>
+    <p:extLst>
+      <p:ext uri="{BB962C8B-B14F-4D97-AF65-F5344CB8AC3E}">
+        <p14:creationId xmlns:p14="http://schemas.microsoft.com/office/powerpoint/2010/main" val="1837196971"/>
+      </p:ext>
+    </p:extLst>
+  </p:cSld>
+  <p:clrMapOvr>
+    <a:masterClrMapping/>
+  </p:clrMapOvr>
+  <p:timing>
+    <p:tnLst>
+      <p:par>
+        <p:cTn id="1" dur="indefinite" restart="never" nodeType="tmRoot">
+          <p:childTnLst>
+            <p:seq concurrent="1" nextAc="seek">
+              <p:cTn id="2" dur="indefinite" nodeType="mainSeq">
+                <p:childTnLst>
+                  <p:par>
+                    <p:cTn id="3" fill="hold">
+                      <p:stCondLst>
+                        <p:cond delay="indefinite"/>
+                      </p:stCondLst>
+                      <p:childTnLst>
+                        <p:par>
+                          <p:cTn id="4" fill="hold">
+                            <p:stCondLst>
+                              <p:cond delay="0"/>
+                            </p:stCondLst>
+                            <p:childTnLst>
+                              <p:par>
+                                <p:cTn id="5" presetID="2" presetClass="entr" presetSubtype="4" fill="hold" grpId="0" nodeType="clickEffect">
+                                  <p:stCondLst>
+                                    <p:cond delay="0"/>
+                                  </p:stCondLst>
+                                  <p:childTnLst>
+                                    <p:set>
+                                      <p:cBhvr>
+                                        <p:cTn id="6" dur="1" fill="hold">
+                                          <p:stCondLst>
+                                            <p:cond delay="0"/>
+                                          </p:stCondLst>
+                                        </p:cTn>
+                                        <p:tgtEl>
+                                          <p:spTgt spid="3">
+                                            <p:txEl>
+                                              <p:pRg st="0" end="0"/>
+                                            </p:txEl>
+                                          </p:spTgt>
+                                        </p:tgtEl>
+                                        <p:attrNameLst>
+                                          <p:attrName>style.visibility</p:attrName>
+                                        </p:attrNameLst>
+                                      </p:cBhvr>
+                                      <p:to>
+                                        <p:strVal val="visible"/>
+                                      </p:to>
+                                    </p:set>
+                                    <p:anim calcmode="lin" valueType="num">
+                                      <p:cBhvr additive="base">
+                                        <p:cTn id="7" dur="500" fill="hold"/>
+                                        <p:tgtEl>
+                                          <p:spTgt spid="3">
+                                            <p:txEl>
+                                              <p:pRg st="0" end="0"/>
+                                            </p:txEl>
+                                          </p:spTgt>
+                                        </p:tgtEl>
+                                        <p:attrNameLst>
+                                          <p:attrName>ppt_x</p:attrName>
+                                        </p:attrNameLst>
+                                      </p:cBhvr>
+                                      <p:tavLst>
+                                        <p:tav tm="0">
+                                          <p:val>
+                                            <p:strVal val="#ppt_x"/>
+                                          </p:val>
+                                        </p:tav>
+                                        <p:tav tm="100000">
+                                          <p:val>
+                                            <p:strVal val="#ppt_x"/>
+                                          </p:val>
+                                        </p:tav>
+                                      </p:tavLst>
+                                    </p:anim>
+                                    <p:anim calcmode="lin" valueType="num">
+                                      <p:cBhvr additive="base">
+                                        <p:cTn id="8" dur="500" fill="hold"/>
+                                        <p:tgtEl>
+                                          <p:spTgt spid="3">
+                                            <p:txEl>
+                                              <p:pRg st="0" end="0"/>
+                                            </p:txEl>
+                                          </p:spTgt>
+                                        </p:tgtEl>
+                                        <p:attrNameLst>
+                                          <p:attrName>ppt_y</p:attrName>
+                                        </p:attrNameLst>
+                                      </p:cBhvr>
+                                      <p:tavLst>
+                                        <p:tav tm="0">
+                                          <p:val>
+                                            <p:strVal val="1+#ppt_h/2"/>
+                                          </p:val>
+                                        </p:tav>
+                                        <p:tav tm="100000">
+                                          <p:val>
+                                            <p:strVal val="#ppt_y"/>
+                                          </p:val>
+                                        </p:tav>
+                                      </p:tavLst>
+                                    </p:anim>
+                                  </p:childTnLst>
+                                </p:cTn>
+                              </p:par>
+                            </p:childTnLst>
+                          </p:cTn>
+                        </p:par>
+                      </p:childTnLst>
+                    </p:cTn>
+                  </p:par>
+                  <p:par>
+                    <p:cTn id="9" fill="hold">
+                      <p:stCondLst>
+                        <p:cond delay="indefinite"/>
+                      </p:stCondLst>
+                      <p:childTnLst>
+                        <p:par>
+                          <p:cTn id="10" fill="hold">
+                            <p:stCondLst>
+                              <p:cond delay="0"/>
+                            </p:stCondLst>
+                            <p:childTnLst>
+                              <p:par>
+                                <p:cTn id="11" presetID="2" presetClass="entr" presetSubtype="4" fill="hold" grpId="0" nodeType="clickEffect">
+                                  <p:stCondLst>
+                                    <p:cond delay="0"/>
+                                  </p:stCondLst>
+                                  <p:childTnLst>
+                                    <p:set>
+                                      <p:cBhvr>
+                                        <p:cTn id="12" dur="1" fill="hold">
+                                          <p:stCondLst>
+                                            <p:cond delay="0"/>
+                                          </p:stCondLst>
+                                        </p:cTn>
+                                        <p:tgtEl>
+                                          <p:spTgt spid="3">
+                                            <p:txEl>
+                                              <p:pRg st="1" end="1"/>
+                                            </p:txEl>
+                                          </p:spTgt>
+                                        </p:tgtEl>
+                                        <p:attrNameLst>
+                                          <p:attrName>style.visibility</p:attrName>
+                                        </p:attrNameLst>
+                                      </p:cBhvr>
+                                      <p:to>
+                                        <p:strVal val="visible"/>
+                                      </p:to>
+                                    </p:set>
+                                    <p:anim calcmode="lin" valueType="num">
+                                      <p:cBhvr additive="base">
+                                        <p:cTn id="13" dur="500" fill="hold"/>
+                                        <p:tgtEl>
+                                          <p:spTgt spid="3">
+                                            <p:txEl>
+                                              <p:pRg st="1" end="1"/>
+                                            </p:txEl>
+                                          </p:spTgt>
+                                        </p:tgtEl>
+                                        <p:attrNameLst>
+                                          <p:attrName>ppt_x</p:attrName>
+                                        </p:attrNameLst>
+                                      </p:cBhvr>
+                                      <p:tavLst>
+                                        <p:tav tm="0">
+                                          <p:val>
+                                            <p:strVal val="#ppt_x"/>
+                                          </p:val>
+                                        </p:tav>
+                                        <p:tav tm="100000">
+                                          <p:val>
+                                            <p:strVal val="#ppt_x"/>
+                                          </p:val>
+                                        </p:tav>
+                                      </p:tavLst>
+                                    </p:anim>
+                                    <p:anim calcmode="lin" valueType="num">
+                                      <p:cBhvr additive="base">
+                                        <p:cTn id="14" dur="500" fill="hold"/>
+                                        <p:tgtEl>
+                                          <p:spTgt spid="3">
+                                            <p:txEl>
+                                              <p:pRg st="1" end="1"/>
+                                            </p:txEl>
+                                          </p:spTgt>
+                                        </p:tgtEl>
+                                        <p:attrNameLst>
+                                          <p:attrName>ppt_y</p:attrName>
+                                        </p:attrNameLst>
+                                      </p:cBhvr>
+                                      <p:tavLst>
+                                        <p:tav tm="0">
+                                          <p:val>
+                                            <p:strVal val="1+#ppt_h/2"/>
+                                          </p:val>
+                                        </p:tav>
+                                        <p:tav tm="100000">
+                                          <p:val>
+                                            <p:strVal val="#ppt_y"/>
+                                          </p:val>
+                                        </p:tav>
+                                      </p:tavLst>
+                                    </p:anim>
+                                  </p:childTnLst>
+                                </p:cTn>
+                              </p:par>
+                            </p:childTnLst>
+                          </p:cTn>
+                        </p:par>
+                      </p:childTnLst>
+                    </p:cTn>
+                  </p:par>
+                </p:childTnLst>
+              </p:cTn>
+              <p:prevCondLst>
+                <p:cond evt="onPrev" delay="0">
+                  <p:tgtEl>
+                    <p:sldTgt/>
+                  </p:tgtEl>
+                </p:cond>
+              </p:prevCondLst>
+              <p:nextCondLst>
+                <p:cond evt="onNext" delay="0">
+                  <p:tgtEl>
+                    <p:sldTgt/>
+                  </p:tgtEl>
+                </p:cond>
+              </p:nextCondLst>
+            </p:seq>
+          </p:childTnLst>
+        </p:cTn>
+      </p:par>
+    </p:tnLst>
+    <p:bldLst>
+      <p:bldP spid="3" grpId="0" build="p"/>
+    </p:bldLst>
+  </p:timing>
+</p:sld>
+</file>
+
+<file path=ppt/slides/slide11.xml><?xml version="1.0" encoding="utf-8"?>
+<p:sld xmlns:a="http://schemas.openxmlformats.org/drawingml/2006/main" xmlns:r="http://schemas.openxmlformats.org/officeDocument/2006/relationships" xmlns:p="http://schemas.openxmlformats.org/presentationml/2006/main">
+  <p:cSld>
+    <p:spTree>
+      <p:nvGrpSpPr>
+        <p:cNvPr id="1" name=""/>
+        <p:cNvGrpSpPr/>
+        <p:nvPr/>
+      </p:nvGrpSpPr>
+      <p:grpSpPr>
+        <a:xfrm>
+          <a:off x="0" y="0"/>
+          <a:ext cx="0" cy="0"/>
+          <a:chOff x="0" y="0"/>
+          <a:chExt cx="0" cy="0"/>
+        </a:xfrm>
+      </p:grpSpPr>
+      <p:sp>
+        <p:nvSpPr>
+          <p:cNvPr id="2" name="Title 1"/>
+          <p:cNvSpPr>
+            <a:spLocks noGrp="1"/>
+          </p:cNvSpPr>
+          <p:nvPr>
+            <p:ph type="title"/>
+          </p:nvPr>
+        </p:nvSpPr>
+        <p:spPr/>
+        <p:txBody>
+          <a:bodyPr>
+            <a:normAutofit/>
+          </a:bodyPr>
+          <a:lstStyle/>
+          <a:p>
+            <a:pPr algn="ctr"/>
+            <a:r>
+              <a:rPr lang="en-US" sz="3600" b="1" dirty="0">
+                <a:solidFill>
+                  <a:srgbClr val="002060"/>
+                </a:solidFill>
+                <a:latin typeface="Bookman Old Style" panose="02050604050505020204" pitchFamily="18" charset="0"/>
+                <a:cs typeface="Times New Roman" panose="02020603050405020304" pitchFamily="18" charset="0"/>
+              </a:rPr>
+              <a:t>Procedure of Understanding Each Topics</a:t>
+            </a:r>
+          </a:p>
+        </p:txBody>
+      </p:sp>
+      <p:sp>
+        <p:nvSpPr>
+          <p:cNvPr id="3" name="Content Placeholder 2"/>
+          <p:cNvSpPr>
+            <a:spLocks noGrp="1"/>
+          </p:cNvSpPr>
+          <p:nvPr>
+            <p:ph idx="1"/>
+          </p:nvPr>
+        </p:nvSpPr>
+        <p:spPr/>
+        <p:txBody>
+          <a:bodyPr>
+            <a:normAutofit/>
+          </a:bodyPr>
+          <a:lstStyle/>
+          <a:p>
+            <a:pPr algn="just">
+              <a:buClr>
+                <a:srgbClr val="002060"/>
+              </a:buClr>
+              <a:buSzPct val="150000"/>
+              <a:buBlip>
+                <a:blip r:embed="rId2"/>
+              </a:buBlip>
+            </a:pPr>
+            <a:r>
+              <a:rPr lang="en-US" sz="2400" dirty="0">
+                <a:latin typeface="Bookman Old Style" panose="02050604050505020204" pitchFamily="18" charset="0"/>
+                <a:cs typeface="Times New Roman" panose="02020603050405020304" pitchFamily="18" charset="0"/>
+              </a:rPr>
+              <a:t>Understanding each topics </a:t>
+            </a:r>
+            <a:r>
+              <a:rPr lang="en-US" sz="2400" b="1" i="1" dirty="0">
+                <a:solidFill>
+                  <a:srgbClr val="00B050"/>
+                </a:solidFill>
+                <a:latin typeface="Bookman Old Style" panose="02050604050505020204" pitchFamily="18" charset="0"/>
+                <a:cs typeface="Times New Roman" panose="02020603050405020304" pitchFamily="18" charset="0"/>
+              </a:rPr>
+              <a:t>theoretically.</a:t>
+            </a:r>
+            <a:endParaRPr lang="en-US" sz="2400" dirty="0">
+              <a:latin typeface="Bookman Old Style" panose="02050604050505020204" pitchFamily="18" charset="0"/>
+              <a:cs typeface="Times New Roman" panose="02020603050405020304" pitchFamily="18" charset="0"/>
+            </a:endParaRPr>
+          </a:p>
+          <a:p>
+            <a:pPr algn="just">
+              <a:buClr>
+                <a:srgbClr val="002060"/>
+              </a:buClr>
+              <a:buSzPct val="150000"/>
+              <a:buBlip>
+                <a:blip r:embed="rId2"/>
+              </a:buBlip>
+            </a:pPr>
+            <a:r>
+              <a:rPr lang="en-US" sz="2400" b="1" i="1" dirty="0">
+                <a:solidFill>
+                  <a:srgbClr val="00B050"/>
+                </a:solidFill>
+                <a:latin typeface="Bookman Old Style" panose="02050604050505020204" pitchFamily="18" charset="0"/>
+                <a:cs typeface="Times New Roman" panose="02020603050405020304" pitchFamily="18" charset="0"/>
+              </a:rPr>
+              <a:t>Learning of each topic through hands on example.</a:t>
+            </a:r>
+            <a:r>
+              <a:rPr lang="en-US" sz="2400" dirty="0">
+                <a:latin typeface="Bookman Old Style" panose="02050604050505020204" pitchFamily="18" charset="0"/>
+                <a:cs typeface="Times New Roman" panose="02020603050405020304" pitchFamily="18" charset="0"/>
+              </a:rPr>
+              <a:t> </a:t>
+            </a:r>
+          </a:p>
+        </p:txBody>
+      </p:sp>
+    </p:spTree>
+    <p:extLst>
+      <p:ext uri="{BB962C8B-B14F-4D97-AF65-F5344CB8AC3E}">
+        <p14:creationId xmlns:p14="http://schemas.microsoft.com/office/powerpoint/2010/main" val="3140837422"/>
+      </p:ext>
+    </p:extLst>
+  </p:cSld>
+  <p:clrMapOvr>
+    <a:masterClrMapping/>
+  </p:clrMapOvr>
+  <p:timing>
+    <p:tnLst>
+      <p:par>
+        <p:cTn id="1" dur="indefinite" restart="never" nodeType="tmRoot">
+          <p:childTnLst>
+            <p:seq concurrent="1" nextAc="seek">
+              <p:cTn id="2" dur="indefinite" nodeType="mainSeq">
+                <p:childTnLst>
+                  <p:par>
+                    <p:cTn id="3" fill="hold">
+                      <p:stCondLst>
+                        <p:cond delay="indefinite"/>
+                      </p:stCondLst>
+                      <p:childTnLst>
+                        <p:par>
+                          <p:cTn id="4" fill="hold">
+                            <p:stCondLst>
+                              <p:cond delay="0"/>
+                            </p:stCondLst>
+                            <p:childTnLst>
+                              <p:par>
+                                <p:cTn id="5" presetID="2" presetClass="entr" presetSubtype="4" fill="hold" grpId="0" nodeType="clickEffect">
+                                  <p:stCondLst>
+                                    <p:cond delay="0"/>
+                                  </p:stCondLst>
+                                  <p:childTnLst>
+                                    <p:set>
+                                      <p:cBhvr>
+                                        <p:cTn id="6" dur="1" fill="hold">
+                                          <p:stCondLst>
+                                            <p:cond delay="0"/>
+                                          </p:stCondLst>
+                                        </p:cTn>
+                                        <p:tgtEl>
+                                          <p:spTgt spid="3">
+                                            <p:txEl>
+                                              <p:pRg st="0" end="0"/>
+                                            </p:txEl>
+                                          </p:spTgt>
+                                        </p:tgtEl>
+                                        <p:attrNameLst>
+                                          <p:attrName>style.visibility</p:attrName>
+                                        </p:attrNameLst>
+                                      </p:cBhvr>
+                                      <p:to>
+                                        <p:strVal val="visible"/>
+                                      </p:to>
+                                    </p:set>
+                                    <p:anim calcmode="lin" valueType="num">
+                                      <p:cBhvr additive="base">
+                                        <p:cTn id="7" dur="500" fill="hold"/>
+                                        <p:tgtEl>
+                                          <p:spTgt spid="3">
+                                            <p:txEl>
+                                              <p:pRg st="0" end="0"/>
+                                            </p:txEl>
+                                          </p:spTgt>
+                                        </p:tgtEl>
+                                        <p:attrNameLst>
+                                          <p:attrName>ppt_x</p:attrName>
+                                        </p:attrNameLst>
+                                      </p:cBhvr>
+                                      <p:tavLst>
+                                        <p:tav tm="0">
+                                          <p:val>
+                                            <p:strVal val="#ppt_x"/>
+                                          </p:val>
+                                        </p:tav>
+                                        <p:tav tm="100000">
+                                          <p:val>
+                                            <p:strVal val="#ppt_x"/>
+                                          </p:val>
+                                        </p:tav>
+                                      </p:tavLst>
+                                    </p:anim>
+                                    <p:anim calcmode="lin" valueType="num">
+                                      <p:cBhvr additive="base">
+                                        <p:cTn id="8" dur="500" fill="hold"/>
+                                        <p:tgtEl>
+                                          <p:spTgt spid="3">
+                                            <p:txEl>
+                                              <p:pRg st="0" end="0"/>
+                                            </p:txEl>
+                                          </p:spTgt>
+                                        </p:tgtEl>
+                                        <p:attrNameLst>
+                                          <p:attrName>ppt_y</p:attrName>
+                                        </p:attrNameLst>
+                                      </p:cBhvr>
+                                      <p:tavLst>
+                                        <p:tav tm="0">
+                                          <p:val>
+                                            <p:strVal val="1+#ppt_h/2"/>
+                                          </p:val>
+                                        </p:tav>
+                                        <p:tav tm="100000">
+                                          <p:val>
+                                            <p:strVal val="#ppt_y"/>
+                                          </p:val>
+                                        </p:tav>
+                                      </p:tavLst>
+                                    </p:anim>
+                                  </p:childTnLst>
+                                </p:cTn>
+                              </p:par>
+                            </p:childTnLst>
+                          </p:cTn>
+                        </p:par>
+                      </p:childTnLst>
+                    </p:cTn>
+                  </p:par>
+                  <p:par>
+                    <p:cTn id="9" fill="hold">
+                      <p:stCondLst>
+                        <p:cond delay="indefinite"/>
+                      </p:stCondLst>
+                      <p:childTnLst>
+                        <p:par>
+                          <p:cTn id="10" fill="hold">
+                            <p:stCondLst>
+                              <p:cond delay="0"/>
+                            </p:stCondLst>
+                            <p:childTnLst>
+                              <p:par>
+                                <p:cTn id="11" presetID="2" presetClass="entr" presetSubtype="4" fill="hold" grpId="0" nodeType="clickEffect">
+                                  <p:stCondLst>
+                                    <p:cond delay="0"/>
+                                  </p:stCondLst>
+                                  <p:childTnLst>
+                                    <p:set>
+                                      <p:cBhvr>
+                                        <p:cTn id="12" dur="1" fill="hold">
+                                          <p:stCondLst>
+                                            <p:cond delay="0"/>
+                                          </p:stCondLst>
+                                        </p:cTn>
+                                        <p:tgtEl>
+                                          <p:spTgt spid="3">
+                                            <p:txEl>
+                                              <p:pRg st="1" end="1"/>
+                                            </p:txEl>
+                                          </p:spTgt>
+                                        </p:tgtEl>
+                                        <p:attrNameLst>
+                                          <p:attrName>style.visibility</p:attrName>
+                                        </p:attrNameLst>
+                                      </p:cBhvr>
+                                      <p:to>
+                                        <p:strVal val="visible"/>
+                                      </p:to>
+                                    </p:set>
+                                    <p:anim calcmode="lin" valueType="num">
+                                      <p:cBhvr additive="base">
+                                        <p:cTn id="13" dur="500" fill="hold"/>
+                                        <p:tgtEl>
+                                          <p:spTgt spid="3">
+                                            <p:txEl>
+                                              <p:pRg st="1" end="1"/>
+                                            </p:txEl>
+                                          </p:spTgt>
+                                        </p:tgtEl>
+                                        <p:attrNameLst>
+                                          <p:attrName>ppt_x</p:attrName>
+                                        </p:attrNameLst>
+                                      </p:cBhvr>
+                                      <p:tavLst>
+                                        <p:tav tm="0">
+                                          <p:val>
+                                            <p:strVal val="#ppt_x"/>
+                                          </p:val>
+                                        </p:tav>
+                                        <p:tav tm="100000">
+                                          <p:val>
+                                            <p:strVal val="#ppt_x"/>
+                                          </p:val>
+                                        </p:tav>
+                                      </p:tavLst>
+                                    </p:anim>
+                                    <p:anim calcmode="lin" valueType="num">
+                                      <p:cBhvr additive="base">
+                                        <p:cTn id="14" dur="500" fill="hold"/>
+                                        <p:tgtEl>
+                                          <p:spTgt spid="3">
+                                            <p:txEl>
+                                              <p:pRg st="1" end="1"/>
+                                            </p:txEl>
+                                          </p:spTgt>
+                                        </p:tgtEl>
+                                        <p:attrNameLst>
+                                          <p:attrName>ppt_y</p:attrName>
+                                        </p:attrNameLst>
+                                      </p:cBhvr>
+                                      <p:tavLst>
+                                        <p:tav tm="0">
+                                          <p:val>
+                                            <p:strVal val="1+#ppt_h/2"/>
+                                          </p:val>
+                                        </p:tav>
+                                        <p:tav tm="100000">
+                                          <p:val>
+                                            <p:strVal val="#ppt_y"/>
+                                          </p:val>
+                                        </p:tav>
+                                      </p:tavLst>
+                                    </p:anim>
+                                  </p:childTnLst>
+                                </p:cTn>
+                              </p:par>
+                            </p:childTnLst>
+                          </p:cTn>
+                        </p:par>
+                      </p:childTnLst>
+                    </p:cTn>
+                  </p:par>
+                </p:childTnLst>
+              </p:cTn>
+              <p:prevCondLst>
+                <p:cond evt="onPrev" delay="0">
+                  <p:tgtEl>
+                    <p:sldTgt/>
+                  </p:tgtEl>
+                </p:cond>
+              </p:prevCondLst>
+              <p:nextCondLst>
+                <p:cond evt="onNext" delay="0">
+                  <p:tgtEl>
+                    <p:sldTgt/>
+                  </p:tgtEl>
+                </p:cond>
+              </p:nextCondLst>
+            </p:seq>
+          </p:childTnLst>
+        </p:cTn>
+      </p:par>
+    </p:tnLst>
+    <p:bldLst>
+      <p:bldP spid="3" grpId="0" build="p"/>
+    </p:bldLst>
+  </p:timing>
+</p:sld>
+</file>
+
+<file path=ppt/slides/slide12.xml><?xml version="1.0" encoding="utf-8"?>
+<p:sld xmlns:a="http://schemas.openxmlformats.org/drawingml/2006/main" xmlns:r="http://schemas.openxmlformats.org/officeDocument/2006/relationships" xmlns:p="http://schemas.openxmlformats.org/presentationml/2006/main">
+  <p:cSld>
+    <p:spTree>
+      <p:nvGrpSpPr>
+        <p:cNvPr id="1" name=""/>
+        <p:cNvGrpSpPr/>
+        <p:nvPr/>
+      </p:nvGrpSpPr>
+      <p:grpSpPr>
+        <a:xfrm>
+          <a:off x="0" y="0"/>
+          <a:ext cx="0" cy="0"/>
+          <a:chOff x="0" y="0"/>
+          <a:chExt cx="0" cy="0"/>
+        </a:xfrm>
+      </p:grpSpPr>
+      <p:sp>
+        <p:nvSpPr>
+          <p:cNvPr id="2" name="Title 1"/>
+          <p:cNvSpPr>
+            <a:spLocks noGrp="1"/>
+          </p:cNvSpPr>
+          <p:nvPr>
+            <p:ph type="title"/>
+          </p:nvPr>
+        </p:nvSpPr>
+        <p:spPr/>
+        <p:txBody>
+          <a:bodyPr>
+            <a:normAutofit/>
+          </a:bodyPr>
+          <a:lstStyle/>
+          <a:p>
+            <a:pPr algn="ctr"/>
+            <a:r>
+              <a:rPr lang="en-US" sz="3600" b="1" dirty="0">
+                <a:solidFill>
+                  <a:srgbClr val="002060"/>
+                </a:solidFill>
+                <a:latin typeface="Bookman Old Style" panose="02050604050505020204" pitchFamily="18" charset="0"/>
+                <a:cs typeface="Times New Roman" panose="02020603050405020304" pitchFamily="18" charset="0"/>
+              </a:rPr>
               <a:t>Knowledge Required </a:t>
             </a:r>
           </a:p>
@@ -3518,7 +4254,7 @@
 </p:sld>
 </file>
 
-<file path=ppt/slides/slide11.xml><?xml version="1.0" encoding="utf-8"?>
+<file path=ppt/slides/slide13.xml><?xml version="1.0" encoding="utf-8"?>
 <p:sld xmlns:a="http://schemas.openxmlformats.org/drawingml/2006/main" xmlns:r="http://schemas.openxmlformats.org/officeDocument/2006/relationships" xmlns:p="http://schemas.openxmlformats.org/presentationml/2006/main">
   <p:cSld>
     <p:spTree>
@@ -4044,7 +4780,7 @@
 </p:sld>
 </file>
 
-<file path=ppt/slides/slide12.xml><?xml version="1.0" encoding="utf-8"?>
+<file path=ppt/slides/slide14.xml><?xml version="1.0" encoding="utf-8"?>
 <p:sld xmlns:a="http://schemas.openxmlformats.org/drawingml/2006/main" xmlns:r="http://schemas.openxmlformats.org/officeDocument/2006/relationships" xmlns:p="http://schemas.openxmlformats.org/presentationml/2006/main">
   <p:cSld>
     <p:spTree>
@@ -5168,7 +5904,7 @@
 </p:sld>
 </file>
 
-<file path=ppt/slides/slide13.xml><?xml version="1.0" encoding="utf-8"?>
+<file path=ppt/slides/slide15.xml><?xml version="1.0" encoding="utf-8"?>
 <p:sld xmlns:a="http://schemas.openxmlformats.org/drawingml/2006/main" xmlns:r="http://schemas.openxmlformats.org/officeDocument/2006/relationships" xmlns:p="http://schemas.openxmlformats.org/presentationml/2006/main">
   <p:cSld>
     <p:spTree>
@@ -5241,7 +5977,7 @@
 </p:sld>
 </file>
 
-<file path=ppt/slides/slide14.xml><?xml version="1.0" encoding="utf-8"?>
+<file path=ppt/slides/slide16.xml><?xml version="1.0" encoding="utf-8"?>
 <p:sld xmlns:a="http://schemas.openxmlformats.org/drawingml/2006/main" xmlns:r="http://schemas.openxmlformats.org/officeDocument/2006/relationships" xmlns:p="http://schemas.openxmlformats.org/presentationml/2006/main">
   <p:cSld>
     <p:spTree>
@@ -6013,7 +6749,7 @@
 </p:sld>
 </file>
 
-<file path=ppt/slides/slide15.xml><?xml version="1.0" encoding="utf-8"?>
+<file path=ppt/slides/slide17.xml><?xml version="1.0" encoding="utf-8"?>
 <p:sld xmlns:a="http://schemas.openxmlformats.org/drawingml/2006/main" xmlns:r="http://schemas.openxmlformats.org/officeDocument/2006/relationships" xmlns:p="http://schemas.openxmlformats.org/presentationml/2006/main">
   <p:cSld>
     <p:spTree>
@@ -8337,14 +9073,14 @@
           <a:p>
             <a:pPr algn="ctr"/>
             <a:r>
-              <a:rPr lang="en-US" sz="3600" b="1" dirty="0">
+              <a:rPr lang="en-US" sz="3200" b="1" dirty="0">
                 <a:solidFill>
                   <a:srgbClr val="002060"/>
                 </a:solidFill>
                 <a:latin typeface="Bookman Old Style" panose="02050604050505020204" pitchFamily="18" charset="0"/>
                 <a:cs typeface="Times New Roman" panose="02020603050405020304" pitchFamily="18" charset="0"/>
               </a:rPr>
-              <a:t>Procedure of Understanding Each Topics</a:t>
+              <a:t>Attacks by Bangladeshi Hackers</a:t>
             </a:r>
           </a:p>
         </p:txBody>
@@ -8366,41 +9102,111 @@
           </a:bodyPr>
           <a:lstStyle/>
           <a:p>
-            <a:pPr marL="0" indent="0" algn="ctr">
+            <a:pPr algn="just">
               <a:buClr>
                 <a:srgbClr val="002060"/>
               </a:buClr>
               <a:buSzPct val="150000"/>
-              <a:buNone/>
+              <a:buBlip>
+                <a:blip r:embed="rId2"/>
+              </a:buBlip>
             </a:pPr>
             <a:r>
-              <a:rPr lang="en-US" sz="3200" b="1" dirty="0">
-                <a:solidFill>
-                  <a:srgbClr val="00B050"/>
-                </a:solidFill>
-                <a:latin typeface="Bookman Old Style" panose="02050604050505020204" pitchFamily="18" charset="0"/>
-                <a:cs typeface="Times New Roman" panose="02020603050405020304" pitchFamily="18" charset="0"/>
-              </a:rPr>
-              <a:t>Your Suggestions from previous experiences.</a:t>
-            </a:r>
-          </a:p>
-          <a:p>
-            <a:pPr marL="0" indent="0" algn="ctr">
+              <a:rPr lang="en-US" sz="2400" dirty="0">
+                <a:latin typeface="Bookman Old Style" panose="02050604050505020204" pitchFamily="18" charset="0"/>
+                <a:cs typeface="Times New Roman" panose="02020603050405020304" pitchFamily="18" charset="0"/>
+              </a:rPr>
+              <a:t>Check fraud: forging or altering checks to steal money</a:t>
+            </a:r>
+          </a:p>
+          <a:p>
+            <a:pPr algn="just">
               <a:buClr>
                 <a:srgbClr val="002060"/>
               </a:buClr>
               <a:buSzPct val="150000"/>
-              <a:buNone/>
+              <a:buBlip>
+                <a:blip r:embed="rId2"/>
+              </a:buBlip>
             </a:pPr>
             <a:r>
-              <a:rPr lang="en-US" sz="3200" b="1" dirty="0">
-                <a:solidFill>
-                  <a:srgbClr val="C00000"/>
-                </a:solidFill>
-                <a:latin typeface="Bookman Old Style" panose="02050604050505020204" pitchFamily="18" charset="0"/>
-                <a:cs typeface="Times New Roman" panose="02020603050405020304" pitchFamily="18" charset="0"/>
-              </a:rPr>
-              <a:t>???</a:t>
+              <a:rPr lang="en-US" sz="2400" dirty="0">
+                <a:latin typeface="Bookman Old Style" panose="02050604050505020204" pitchFamily="18" charset="0"/>
+                <a:cs typeface="Times New Roman" panose="02020603050405020304" pitchFamily="18" charset="0"/>
+              </a:rPr>
+              <a:t>Credit card fraud: using stolen or fake credit card information to make unauthorized purchases</a:t>
+            </a:r>
+          </a:p>
+          <a:p>
+            <a:pPr algn="just">
+              <a:buClr>
+                <a:srgbClr val="002060"/>
+              </a:buClr>
+              <a:buSzPct val="150000"/>
+              <a:buBlip>
+                <a:blip r:embed="rId2"/>
+              </a:buBlip>
+            </a:pPr>
+            <a:r>
+              <a:rPr lang="en-US" sz="2400" dirty="0">
+                <a:latin typeface="Bookman Old Style" panose="02050604050505020204" pitchFamily="18" charset="0"/>
+                <a:cs typeface="Times New Roman" panose="02020603050405020304" pitchFamily="18" charset="0"/>
+              </a:rPr>
+              <a:t>Phishing scams: tricking individuals into revealing sensitive information such as login credentials and credit card numbers</a:t>
+            </a:r>
+          </a:p>
+          <a:p>
+            <a:pPr algn="just">
+              <a:buClr>
+                <a:srgbClr val="002060"/>
+              </a:buClr>
+              <a:buSzPct val="150000"/>
+              <a:buBlip>
+                <a:blip r:embed="rId2"/>
+              </a:buBlip>
+            </a:pPr>
+            <a:r>
+              <a:rPr lang="en-US" sz="2400" dirty="0">
+                <a:latin typeface="Bookman Old Style" panose="02050604050505020204" pitchFamily="18" charset="0"/>
+                <a:cs typeface="Times New Roman" panose="02020603050405020304" pitchFamily="18" charset="0"/>
+              </a:rPr>
+              <a:t>ATM skimming: using devices attached to ATMs to steal card information</a:t>
+            </a:r>
+          </a:p>
+          <a:p>
+            <a:pPr algn="just">
+              <a:buClr>
+                <a:srgbClr val="002060"/>
+              </a:buClr>
+              <a:buSzPct val="150000"/>
+              <a:buBlip>
+                <a:blip r:embed="rId2"/>
+              </a:buBlip>
+            </a:pPr>
+            <a:r>
+              <a:rPr lang="en-US" sz="2400" dirty="0">
+                <a:latin typeface="Bookman Old Style" panose="02050604050505020204" pitchFamily="18" charset="0"/>
+                <a:cs typeface="Times New Roman" panose="02020603050405020304" pitchFamily="18" charset="0"/>
+              </a:rPr>
+              <a:t>Identity theft: using someone else’s personal information to open bank accounts or apply for loans </a:t>
+            </a:r>
+          </a:p>
+          <a:p>
+            <a:pPr algn="just">
+              <a:buClr>
+                <a:srgbClr val="002060"/>
+              </a:buClr>
+              <a:buSzPct val="150000"/>
+              <a:buBlip>
+                <a:blip r:embed="rId2"/>
+              </a:buBlip>
+            </a:pPr>
+            <a:r>
+              <a:rPr lang="en-US" sz="2400" dirty="0">
+                <a:latin typeface="Bookman Old Style" panose="02050604050505020204" pitchFamily="18" charset="0"/>
+                <a:cs typeface="Times New Roman" panose="02020603050405020304" pitchFamily="18" charset="0"/>
+              </a:rPr>
+              <a:t>Etc.</a:t>
             </a:r>
           </a:p>
         </p:txBody>
@@ -8408,252 +9214,13 @@
     </p:spTree>
     <p:extLst>
       <p:ext uri="{BB962C8B-B14F-4D97-AF65-F5344CB8AC3E}">
-        <p14:creationId xmlns:p14="http://schemas.microsoft.com/office/powerpoint/2010/main" val="1837196971"/>
+        <p14:creationId xmlns:p14="http://schemas.microsoft.com/office/powerpoint/2010/main" val="2954797"/>
       </p:ext>
     </p:extLst>
   </p:cSld>
   <p:clrMapOvr>
     <a:masterClrMapping/>
   </p:clrMapOvr>
-  <p:timing>
-    <p:tnLst>
-      <p:par>
-        <p:cTn id="1" dur="indefinite" restart="never" nodeType="tmRoot">
-          <p:childTnLst>
-            <p:seq concurrent="1" nextAc="seek">
-              <p:cTn id="2" dur="indefinite" nodeType="mainSeq">
-                <p:childTnLst>
-                  <p:par>
-                    <p:cTn id="3" fill="hold">
-                      <p:stCondLst>
-                        <p:cond delay="indefinite"/>
-                      </p:stCondLst>
-                      <p:childTnLst>
-                        <p:par>
-                          <p:cTn id="4" fill="hold">
-                            <p:stCondLst>
-                              <p:cond delay="0"/>
-                            </p:stCondLst>
-                            <p:childTnLst>
-                              <p:par>
-                                <p:cTn id="5" presetID="2" presetClass="entr" presetSubtype="4" fill="hold" grpId="0" nodeType="clickEffect">
-                                  <p:stCondLst>
-                                    <p:cond delay="0"/>
-                                  </p:stCondLst>
-                                  <p:childTnLst>
-                                    <p:set>
-                                      <p:cBhvr>
-                                        <p:cTn id="6" dur="1" fill="hold">
-                                          <p:stCondLst>
-                                            <p:cond delay="0"/>
-                                          </p:stCondLst>
-                                        </p:cTn>
-                                        <p:tgtEl>
-                                          <p:spTgt spid="3">
-                                            <p:txEl>
-                                              <p:pRg st="0" end="0"/>
-                                            </p:txEl>
-                                          </p:spTgt>
-                                        </p:tgtEl>
-                                        <p:attrNameLst>
-                                          <p:attrName>style.visibility</p:attrName>
-                                        </p:attrNameLst>
-                                      </p:cBhvr>
-                                      <p:to>
-                                        <p:strVal val="visible"/>
-                                      </p:to>
-                                    </p:set>
-                                    <p:anim calcmode="lin" valueType="num">
-                                      <p:cBhvr additive="base">
-                                        <p:cTn id="7" dur="500" fill="hold"/>
-                                        <p:tgtEl>
-                                          <p:spTgt spid="3">
-                                            <p:txEl>
-                                              <p:pRg st="0" end="0"/>
-                                            </p:txEl>
-                                          </p:spTgt>
-                                        </p:tgtEl>
-                                        <p:attrNameLst>
-                                          <p:attrName>ppt_x</p:attrName>
-                                        </p:attrNameLst>
-                                      </p:cBhvr>
-                                      <p:tavLst>
-                                        <p:tav tm="0">
-                                          <p:val>
-                                            <p:strVal val="#ppt_x"/>
-                                          </p:val>
-                                        </p:tav>
-                                        <p:tav tm="100000">
-                                          <p:val>
-                                            <p:strVal val="#ppt_x"/>
-                                          </p:val>
-                                        </p:tav>
-                                      </p:tavLst>
-                                    </p:anim>
-                                    <p:anim calcmode="lin" valueType="num">
-                                      <p:cBhvr additive="base">
-                                        <p:cTn id="8" dur="500" fill="hold"/>
-                                        <p:tgtEl>
-                                          <p:spTgt spid="3">
-                                            <p:txEl>
-                                              <p:pRg st="0" end="0"/>
-                                            </p:txEl>
-                                          </p:spTgt>
-                                        </p:tgtEl>
-                                        <p:attrNameLst>
-                                          <p:attrName>ppt_y</p:attrName>
-                                        </p:attrNameLst>
-                                      </p:cBhvr>
-                                      <p:tavLst>
-                                        <p:tav tm="0">
-                                          <p:val>
-                                            <p:strVal val="1+#ppt_h/2"/>
-                                          </p:val>
-                                        </p:tav>
-                                        <p:tav tm="100000">
-                                          <p:val>
-                                            <p:strVal val="#ppt_y"/>
-                                          </p:val>
-                                        </p:tav>
-                                      </p:tavLst>
-                                    </p:anim>
-                                  </p:childTnLst>
-                                </p:cTn>
-                              </p:par>
-                            </p:childTnLst>
-                          </p:cTn>
-                        </p:par>
-                      </p:childTnLst>
-                    </p:cTn>
-                  </p:par>
-                  <p:par>
-                    <p:cTn id="9" fill="hold">
-                      <p:stCondLst>
-                        <p:cond delay="indefinite"/>
-                      </p:stCondLst>
-                      <p:childTnLst>
-                        <p:par>
-                          <p:cTn id="10" fill="hold">
-                            <p:stCondLst>
-                              <p:cond delay="0"/>
-                            </p:stCondLst>
-                            <p:childTnLst>
-                              <p:par>
-                                <p:cTn id="11" presetID="2" presetClass="entr" presetSubtype="4" fill="hold" grpId="0" nodeType="clickEffect">
-                                  <p:stCondLst>
-                                    <p:cond delay="0"/>
-                                  </p:stCondLst>
-                                  <p:childTnLst>
-                                    <p:set>
-                                      <p:cBhvr>
-                                        <p:cTn id="12" dur="1" fill="hold">
-                                          <p:stCondLst>
-                                            <p:cond delay="0"/>
-                                          </p:stCondLst>
-                                        </p:cTn>
-                                        <p:tgtEl>
-                                          <p:spTgt spid="3">
-                                            <p:txEl>
-                                              <p:pRg st="1" end="1"/>
-                                            </p:txEl>
-                                          </p:spTgt>
-                                        </p:tgtEl>
-                                        <p:attrNameLst>
-                                          <p:attrName>style.visibility</p:attrName>
-                                        </p:attrNameLst>
-                                      </p:cBhvr>
-                                      <p:to>
-                                        <p:strVal val="visible"/>
-                                      </p:to>
-                                    </p:set>
-                                    <p:anim calcmode="lin" valueType="num">
-                                      <p:cBhvr additive="base">
-                                        <p:cTn id="13" dur="500" fill="hold"/>
-                                        <p:tgtEl>
-                                          <p:spTgt spid="3">
-                                            <p:txEl>
-                                              <p:pRg st="1" end="1"/>
-                                            </p:txEl>
-                                          </p:spTgt>
-                                        </p:tgtEl>
-                                        <p:attrNameLst>
-                                          <p:attrName>ppt_x</p:attrName>
-                                        </p:attrNameLst>
-                                      </p:cBhvr>
-                                      <p:tavLst>
-                                        <p:tav tm="0">
-                                          <p:val>
-                                            <p:strVal val="#ppt_x"/>
-                                          </p:val>
-                                        </p:tav>
-                                        <p:tav tm="100000">
-                                          <p:val>
-                                            <p:strVal val="#ppt_x"/>
-                                          </p:val>
-                                        </p:tav>
-                                      </p:tavLst>
-                                    </p:anim>
-                                    <p:anim calcmode="lin" valueType="num">
-                                      <p:cBhvr additive="base">
-                                        <p:cTn id="14" dur="500" fill="hold"/>
-                                        <p:tgtEl>
-                                          <p:spTgt spid="3">
-                                            <p:txEl>
-                                              <p:pRg st="1" end="1"/>
-                                            </p:txEl>
-                                          </p:spTgt>
-                                        </p:tgtEl>
-                                        <p:attrNameLst>
-                                          <p:attrName>ppt_y</p:attrName>
-                                        </p:attrNameLst>
-                                      </p:cBhvr>
-                                      <p:tavLst>
-                                        <p:tav tm="0">
-                                          <p:val>
-                                            <p:strVal val="1+#ppt_h/2"/>
-                                          </p:val>
-                                        </p:tav>
-                                        <p:tav tm="100000">
-                                          <p:val>
-                                            <p:strVal val="#ppt_y"/>
-                                          </p:val>
-                                        </p:tav>
-                                      </p:tavLst>
-                                    </p:anim>
-                                  </p:childTnLst>
-                                </p:cTn>
-                              </p:par>
-                            </p:childTnLst>
-                          </p:cTn>
-                        </p:par>
-                      </p:childTnLst>
-                    </p:cTn>
-                  </p:par>
-                </p:childTnLst>
-              </p:cTn>
-              <p:prevCondLst>
-                <p:cond evt="onPrev" delay="0">
-                  <p:tgtEl>
-                    <p:sldTgt/>
-                  </p:tgtEl>
-                </p:cond>
-              </p:prevCondLst>
-              <p:nextCondLst>
-                <p:cond evt="onNext" delay="0">
-                  <p:tgtEl>
-                    <p:sldTgt/>
-                  </p:tgtEl>
-                </p:cond>
-              </p:nextCondLst>
-            </p:seq>
-          </p:childTnLst>
-        </p:cTn>
-      </p:par>
-    </p:tnLst>
-    <p:bldLst>
-      <p:bldP spid="3" grpId="0" build="p"/>
-    </p:bldLst>
-  </p:timing>
 </p:sld>
 </file>
 
@@ -8693,14 +9260,14 @@
           <a:p>
             <a:pPr algn="ctr"/>
             <a:r>
-              <a:rPr lang="en-US" sz="3600" b="1" dirty="0">
+              <a:rPr lang="en-US" sz="3200" b="1" dirty="0">
                 <a:solidFill>
                   <a:srgbClr val="002060"/>
                 </a:solidFill>
                 <a:latin typeface="Bookman Old Style" panose="02050604050505020204" pitchFamily="18" charset="0"/>
                 <a:cs typeface="Times New Roman" panose="02020603050405020304" pitchFamily="18" charset="0"/>
               </a:rPr>
-              <a:t>Procedure of Understanding Each Topics</a:t>
+              <a:t>Cyber Attacks have taken Place in Bangladesh</a:t>
             </a:r>
           </a:p>
         </p:txBody>
@@ -8718,7 +9285,7 @@
         <p:spPr/>
         <p:txBody>
           <a:bodyPr>
-            <a:normAutofit/>
+            <a:normAutofit lnSpcReduction="10000"/>
           </a:bodyPr>
           <a:lstStyle/>
           <a:p>
@@ -8736,22 +9303,8 @@
                 <a:latin typeface="Bookman Old Style" panose="02050604050505020204" pitchFamily="18" charset="0"/>
                 <a:cs typeface="Times New Roman" panose="02020603050405020304" pitchFamily="18" charset="0"/>
               </a:rPr>
-              <a:t>Understanding each topics </a:t>
-            </a:r>
-            <a:r>
-              <a:rPr lang="en-US" sz="2400" b="1" i="1" dirty="0">
-                <a:solidFill>
-                  <a:srgbClr val="00B050"/>
-                </a:solidFill>
-                <a:latin typeface="Bookman Old Style" panose="02050604050505020204" pitchFamily="18" charset="0"/>
-                <a:cs typeface="Times New Roman" panose="02020603050405020304" pitchFamily="18" charset="0"/>
-              </a:rPr>
-              <a:t>theoretically.</a:t>
-            </a:r>
-            <a:endParaRPr lang="en-US" sz="2400" dirty="0">
-              <a:latin typeface="Bookman Old Style" panose="02050604050505020204" pitchFamily="18" charset="0"/>
-              <a:cs typeface="Times New Roman" panose="02020603050405020304" pitchFamily="18" charset="0"/>
-            </a:endParaRPr>
+              <a:t>2016: Hackers compromised several banks in Bangladesh and stole millions of dollars through fraudulent transfers to overseas accounts.</a:t>
+            </a:r>
           </a:p>
           <a:p>
             <a:pPr algn="just">
@@ -8764,274 +9317,86 @@
               </a:buBlip>
             </a:pPr>
             <a:r>
-              <a:rPr lang="en-US" sz="2400" b="1" i="1" dirty="0">
-                <a:solidFill>
-                  <a:srgbClr val="00B050"/>
-                </a:solidFill>
-                <a:latin typeface="Bookman Old Style" panose="02050604050505020204" pitchFamily="18" charset="0"/>
-                <a:cs typeface="Times New Roman" panose="02020603050405020304" pitchFamily="18" charset="0"/>
-              </a:rPr>
-              <a:t>Learning of each topic through hands on example.</a:t>
-            </a:r>
-            <a:r>
               <a:rPr lang="en-US" sz="2400" dirty="0">
                 <a:latin typeface="Bookman Old Style" panose="02050604050505020204" pitchFamily="18" charset="0"/>
                 <a:cs typeface="Times New Roman" panose="02020603050405020304" pitchFamily="18" charset="0"/>
               </a:rPr>
-              <a:t> </a:t>
-            </a:r>
+              <a:t>2018: A ransomware attack impacted several organizations in Bangladesh, encrypting their files and demanding payment in exchange for the decryption key.</a:t>
+            </a:r>
+          </a:p>
+          <a:p>
+            <a:pPr algn="just">
+              <a:buClr>
+                <a:srgbClr val="002060"/>
+              </a:buClr>
+              <a:buSzPct val="150000"/>
+              <a:buBlip>
+                <a:blip r:embed="rId2"/>
+              </a:buBlip>
+            </a:pPr>
+            <a:r>
+              <a:rPr lang="en-US" sz="2400" dirty="0">
+                <a:latin typeface="Bookman Old Style" panose="02050604050505020204" pitchFamily="18" charset="0"/>
+                <a:cs typeface="Times New Roman" panose="02020603050405020304" pitchFamily="18" charset="0"/>
+              </a:rPr>
+              <a:t>2019: A data breach at Grameenphone, the largest mobile phone operator in Bangladesh, resulted in the exposure of personal information of millions of customers.</a:t>
+            </a:r>
+          </a:p>
+          <a:p>
+            <a:pPr algn="just">
+              <a:buClr>
+                <a:srgbClr val="002060"/>
+              </a:buClr>
+              <a:buSzPct val="150000"/>
+              <a:buBlip>
+                <a:blip r:embed="rId2"/>
+              </a:buBlip>
+            </a:pPr>
+            <a:r>
+              <a:rPr lang="en-US" sz="2400" dirty="0">
+                <a:latin typeface="Bookman Old Style" panose="02050604050505020204" pitchFamily="18" charset="0"/>
+                <a:cs typeface="Times New Roman" panose="02020603050405020304" pitchFamily="18" charset="0"/>
+              </a:rPr>
+              <a:t>2020: Several banks in Bangladesh suffered from a wave of cyber attacks that resulted in the theft of millions of dollars. </a:t>
+            </a:r>
+          </a:p>
+          <a:p>
+            <a:pPr algn="just">
+              <a:buClr>
+                <a:srgbClr val="002060"/>
+              </a:buClr>
+              <a:buSzPct val="150000"/>
+              <a:buBlip>
+                <a:blip r:embed="rId2"/>
+              </a:buBlip>
+            </a:pPr>
+            <a:r>
+              <a:rPr lang="en-US" sz="2400" dirty="0">
+                <a:latin typeface="Bookman Old Style" panose="02050604050505020204" pitchFamily="18" charset="0"/>
+                <a:cs typeface="Times New Roman" panose="02020603050405020304" pitchFamily="18" charset="0"/>
+              </a:rPr>
+              <a:t>Etc.</a:t>
+            </a:r>
+            <a:endParaRPr lang="en-US" sz="2400" b="1" i="1" dirty="0">
+              <a:solidFill>
+                <a:srgbClr val="00B050"/>
+              </a:solidFill>
+              <a:latin typeface="Bookman Old Style" panose="02050604050505020204" pitchFamily="18" charset="0"/>
+              <a:cs typeface="Times New Roman" panose="02020603050405020304" pitchFamily="18" charset="0"/>
+            </a:endParaRPr>
           </a:p>
         </p:txBody>
       </p:sp>
     </p:spTree>
     <p:extLst>
       <p:ext uri="{BB962C8B-B14F-4D97-AF65-F5344CB8AC3E}">
-        <p14:creationId xmlns:p14="http://schemas.microsoft.com/office/powerpoint/2010/main" val="3140837422"/>
+        <p14:creationId xmlns:p14="http://schemas.microsoft.com/office/powerpoint/2010/main" val="4082251632"/>
       </p:ext>
     </p:extLst>
   </p:cSld>
   <p:clrMapOvr>
     <a:masterClrMapping/>
   </p:clrMapOvr>
-  <p:timing>
-    <p:tnLst>
-      <p:par>
-        <p:cTn id="1" dur="indefinite" restart="never" nodeType="tmRoot">
-          <p:childTnLst>
-            <p:seq concurrent="1" nextAc="seek">
-              <p:cTn id="2" dur="indefinite" nodeType="mainSeq">
-                <p:childTnLst>
-                  <p:par>
-                    <p:cTn id="3" fill="hold">
-                      <p:stCondLst>
-                        <p:cond delay="indefinite"/>
-                      </p:stCondLst>
-                      <p:childTnLst>
-                        <p:par>
-                          <p:cTn id="4" fill="hold">
-                            <p:stCondLst>
-                              <p:cond delay="0"/>
-                            </p:stCondLst>
-                            <p:childTnLst>
-                              <p:par>
-                                <p:cTn id="5" presetID="2" presetClass="entr" presetSubtype="4" fill="hold" grpId="0" nodeType="clickEffect">
-                                  <p:stCondLst>
-                                    <p:cond delay="0"/>
-                                  </p:stCondLst>
-                                  <p:childTnLst>
-                                    <p:set>
-                                      <p:cBhvr>
-                                        <p:cTn id="6" dur="1" fill="hold">
-                                          <p:stCondLst>
-                                            <p:cond delay="0"/>
-                                          </p:stCondLst>
-                                        </p:cTn>
-                                        <p:tgtEl>
-                                          <p:spTgt spid="3">
-                                            <p:txEl>
-                                              <p:pRg st="0" end="0"/>
-                                            </p:txEl>
-                                          </p:spTgt>
-                                        </p:tgtEl>
-                                        <p:attrNameLst>
-                                          <p:attrName>style.visibility</p:attrName>
-                                        </p:attrNameLst>
-                                      </p:cBhvr>
-                                      <p:to>
-                                        <p:strVal val="visible"/>
-                                      </p:to>
-                                    </p:set>
-                                    <p:anim calcmode="lin" valueType="num">
-                                      <p:cBhvr additive="base">
-                                        <p:cTn id="7" dur="500" fill="hold"/>
-                                        <p:tgtEl>
-                                          <p:spTgt spid="3">
-                                            <p:txEl>
-                                              <p:pRg st="0" end="0"/>
-                                            </p:txEl>
-                                          </p:spTgt>
-                                        </p:tgtEl>
-                                        <p:attrNameLst>
-                                          <p:attrName>ppt_x</p:attrName>
-                                        </p:attrNameLst>
-                                      </p:cBhvr>
-                                      <p:tavLst>
-                                        <p:tav tm="0">
-                                          <p:val>
-                                            <p:strVal val="#ppt_x"/>
-                                          </p:val>
-                                        </p:tav>
-                                        <p:tav tm="100000">
-                                          <p:val>
-                                            <p:strVal val="#ppt_x"/>
-                                          </p:val>
-                                        </p:tav>
-                                      </p:tavLst>
-                                    </p:anim>
-                                    <p:anim calcmode="lin" valueType="num">
-                                      <p:cBhvr additive="base">
-                                        <p:cTn id="8" dur="500" fill="hold"/>
-                                        <p:tgtEl>
-                                          <p:spTgt spid="3">
-                                            <p:txEl>
-                                              <p:pRg st="0" end="0"/>
-                                            </p:txEl>
-                                          </p:spTgt>
-                                        </p:tgtEl>
-                                        <p:attrNameLst>
-                                          <p:attrName>ppt_y</p:attrName>
-                                        </p:attrNameLst>
-                                      </p:cBhvr>
-                                      <p:tavLst>
-                                        <p:tav tm="0">
-                                          <p:val>
-                                            <p:strVal val="1+#ppt_h/2"/>
-                                          </p:val>
-                                        </p:tav>
-                                        <p:tav tm="100000">
-                                          <p:val>
-                                            <p:strVal val="#ppt_y"/>
-                                          </p:val>
-                                        </p:tav>
-                                      </p:tavLst>
-                                    </p:anim>
-                                  </p:childTnLst>
-                                </p:cTn>
-                              </p:par>
-                            </p:childTnLst>
-                          </p:cTn>
-                        </p:par>
-                      </p:childTnLst>
-                    </p:cTn>
-                  </p:par>
-                  <p:par>
-                    <p:cTn id="9" fill="hold">
-                      <p:stCondLst>
-                        <p:cond delay="indefinite"/>
-                      </p:stCondLst>
-                      <p:childTnLst>
-                        <p:par>
-                          <p:cTn id="10" fill="hold">
-                            <p:stCondLst>
-                              <p:cond delay="0"/>
-                            </p:stCondLst>
-                            <p:childTnLst>
-                              <p:par>
-                                <p:cTn id="11" presetID="2" presetClass="entr" presetSubtype="4" fill="hold" grpId="0" nodeType="clickEffect">
-                                  <p:stCondLst>
-                                    <p:cond delay="0"/>
-                                  </p:stCondLst>
-                                  <p:childTnLst>
-                                    <p:set>
-                                      <p:cBhvr>
-                                        <p:cTn id="12" dur="1" fill="hold">
-                                          <p:stCondLst>
-                                            <p:cond delay="0"/>
-                                          </p:stCondLst>
-                                        </p:cTn>
-                                        <p:tgtEl>
-                                          <p:spTgt spid="3">
-                                            <p:txEl>
-                                              <p:pRg st="1" end="1"/>
-                                            </p:txEl>
-                                          </p:spTgt>
-                                        </p:tgtEl>
-                                        <p:attrNameLst>
-                                          <p:attrName>style.visibility</p:attrName>
-                                        </p:attrNameLst>
-                                      </p:cBhvr>
-                                      <p:to>
-                                        <p:strVal val="visible"/>
-                                      </p:to>
-                                    </p:set>
-                                    <p:anim calcmode="lin" valueType="num">
-                                      <p:cBhvr additive="base">
-                                        <p:cTn id="13" dur="500" fill="hold"/>
-                                        <p:tgtEl>
-                                          <p:spTgt spid="3">
-                                            <p:txEl>
-                                              <p:pRg st="1" end="1"/>
-                                            </p:txEl>
-                                          </p:spTgt>
-                                        </p:tgtEl>
-                                        <p:attrNameLst>
-                                          <p:attrName>ppt_x</p:attrName>
-                                        </p:attrNameLst>
-                                      </p:cBhvr>
-                                      <p:tavLst>
-                                        <p:tav tm="0">
-                                          <p:val>
-                                            <p:strVal val="#ppt_x"/>
-                                          </p:val>
-                                        </p:tav>
-                                        <p:tav tm="100000">
-                                          <p:val>
-                                            <p:strVal val="#ppt_x"/>
-                                          </p:val>
-                                        </p:tav>
-                                      </p:tavLst>
-                                    </p:anim>
-                                    <p:anim calcmode="lin" valueType="num">
-                                      <p:cBhvr additive="base">
-                                        <p:cTn id="14" dur="500" fill="hold"/>
-                                        <p:tgtEl>
-                                          <p:spTgt spid="3">
-                                            <p:txEl>
-                                              <p:pRg st="1" end="1"/>
-                                            </p:txEl>
-                                          </p:spTgt>
-                                        </p:tgtEl>
-                                        <p:attrNameLst>
-                                          <p:attrName>ppt_y</p:attrName>
-                                        </p:attrNameLst>
-                                      </p:cBhvr>
-                                      <p:tavLst>
-                                        <p:tav tm="0">
-                                          <p:val>
-                                            <p:strVal val="1+#ppt_h/2"/>
-                                          </p:val>
-                                        </p:tav>
-                                        <p:tav tm="100000">
-                                          <p:val>
-                                            <p:strVal val="#ppt_y"/>
-                                          </p:val>
-                                        </p:tav>
-                                      </p:tavLst>
-                                    </p:anim>
-                                  </p:childTnLst>
-                                </p:cTn>
-                              </p:par>
-                            </p:childTnLst>
-                          </p:cTn>
-                        </p:par>
-                      </p:childTnLst>
-                    </p:cTn>
-                  </p:par>
-                </p:childTnLst>
-              </p:cTn>
-              <p:prevCondLst>
-                <p:cond evt="onPrev" delay="0">
-                  <p:tgtEl>
-                    <p:sldTgt/>
-                  </p:tgtEl>
-                </p:cond>
-              </p:prevCondLst>
-              <p:nextCondLst>
-                <p:cond evt="onNext" delay="0">
-                  <p:tgtEl>
-                    <p:sldTgt/>
-                  </p:tgtEl>
-                </p:cond>
-              </p:nextCondLst>
-            </p:seq>
-          </p:childTnLst>
-        </p:cTn>
-      </p:par>
-    </p:tnLst>
-    <p:bldLst>
-      <p:bldP spid="3" grpId="0" build="p"/>
-    </p:bldLst>
-  </p:timing>
 </p:sld>
 </file>
 
